--- a/Smart-Farm.pptx
+++ b/Smart-Farm.pptx
@@ -8,6 +8,8 @@
     <p:sldId id="256" r:id="rId2"/>
     <p:sldId id="257" r:id="rId3"/>
     <p:sldId id="258" r:id="rId4"/>
+    <p:sldId id="259" r:id="rId5"/>
+    <p:sldId id="260" r:id="rId6"/>
   </p:sldIdLst>
   <p:sldSz cx="12192000" cy="6858000"/>
   <p:notesSz cx="6858000" cy="9144000"/>
@@ -836,7 +838,7 @@
           <a:p>
             <a:fld id="{6595E62A-38F7-4F87-BAF8-87E62C185E2A}" type="datetimeFigureOut">
               <a:rPr lang="en-US" smtClean="0"/>
-              <a:t>2/20/2020</a:t>
+              <a:t>2/22/2020</a:t>
             </a:fld>
             <a:endParaRPr lang="en-US"/>
           </a:p>
@@ -1087,7 +1089,7 @@
           <a:p>
             <a:fld id="{6595E62A-38F7-4F87-BAF8-87E62C185E2A}" type="datetimeFigureOut">
               <a:rPr lang="en-US" smtClean="0"/>
-              <a:t>2/20/2020</a:t>
+              <a:t>2/22/2020</a:t>
             </a:fld>
             <a:endParaRPr lang="en-US"/>
           </a:p>
@@ -1401,7 +1403,7 @@
           <a:p>
             <a:fld id="{6595E62A-38F7-4F87-BAF8-87E62C185E2A}" type="datetimeFigureOut">
               <a:rPr lang="en-US" smtClean="0"/>
-              <a:t>2/20/2020</a:t>
+              <a:t>2/22/2020</a:t>
             </a:fld>
             <a:endParaRPr lang="en-US"/>
           </a:p>
@@ -1742,7 +1744,7 @@
           <a:p>
             <a:fld id="{6595E62A-38F7-4F87-BAF8-87E62C185E2A}" type="datetimeFigureOut">
               <a:rPr lang="en-US" smtClean="0"/>
-              <a:t>2/20/2020</a:t>
+              <a:t>2/22/2020</a:t>
             </a:fld>
             <a:endParaRPr lang="en-US"/>
           </a:p>
@@ -2056,7 +2058,7 @@
           <a:p>
             <a:fld id="{6595E62A-38F7-4F87-BAF8-87E62C185E2A}" type="datetimeFigureOut">
               <a:rPr lang="en-US" smtClean="0"/>
-              <a:t>2/20/2020</a:t>
+              <a:t>2/22/2020</a:t>
             </a:fld>
             <a:endParaRPr lang="en-US"/>
           </a:p>
@@ -2449,7 +2451,7 @@
           <a:p>
             <a:fld id="{6595E62A-38F7-4F87-BAF8-87E62C185E2A}" type="datetimeFigureOut">
               <a:rPr lang="en-US" smtClean="0"/>
-              <a:t>2/20/2020</a:t>
+              <a:t>2/22/2020</a:t>
             </a:fld>
             <a:endParaRPr lang="en-US"/>
           </a:p>
@@ -2619,7 +2621,7 @@
           <a:p>
             <a:fld id="{6595E62A-38F7-4F87-BAF8-87E62C185E2A}" type="datetimeFigureOut">
               <a:rPr lang="en-US" smtClean="0"/>
-              <a:t>2/20/2020</a:t>
+              <a:t>2/22/2020</a:t>
             </a:fld>
             <a:endParaRPr lang="en-US"/>
           </a:p>
@@ -2799,7 +2801,7 @@
           <a:p>
             <a:fld id="{6595E62A-38F7-4F87-BAF8-87E62C185E2A}" type="datetimeFigureOut">
               <a:rPr lang="en-US" smtClean="0"/>
-              <a:t>2/20/2020</a:t>
+              <a:t>2/22/2020</a:t>
             </a:fld>
             <a:endParaRPr lang="en-US"/>
           </a:p>
@@ -2975,7 +2977,7 @@
           <a:p>
             <a:fld id="{6595E62A-38F7-4F87-BAF8-87E62C185E2A}" type="datetimeFigureOut">
               <a:rPr lang="en-US" smtClean="0"/>
-              <a:t>2/20/2020</a:t>
+              <a:t>2/22/2020</a:t>
             </a:fld>
             <a:endParaRPr lang="en-US"/>
           </a:p>
@@ -3222,7 +3224,7 @@
           <a:p>
             <a:fld id="{6595E62A-38F7-4F87-BAF8-87E62C185E2A}" type="datetimeFigureOut">
               <a:rPr lang="en-US" smtClean="0"/>
-              <a:t>2/20/2020</a:t>
+              <a:t>2/22/2020</a:t>
             </a:fld>
             <a:endParaRPr lang="en-US"/>
           </a:p>
@@ -3454,7 +3456,7 @@
           <a:p>
             <a:fld id="{6595E62A-38F7-4F87-BAF8-87E62C185E2A}" type="datetimeFigureOut">
               <a:rPr lang="en-US" smtClean="0"/>
-              <a:t>2/20/2020</a:t>
+              <a:t>2/22/2020</a:t>
             </a:fld>
             <a:endParaRPr lang="en-US"/>
           </a:p>
@@ -3828,7 +3830,7 @@
           <a:p>
             <a:fld id="{6595E62A-38F7-4F87-BAF8-87E62C185E2A}" type="datetimeFigureOut">
               <a:rPr lang="en-US" smtClean="0"/>
-              <a:t>2/20/2020</a:t>
+              <a:t>2/22/2020</a:t>
             </a:fld>
             <a:endParaRPr lang="en-US"/>
           </a:p>
@@ -3951,7 +3953,7 @@
           <a:p>
             <a:fld id="{6595E62A-38F7-4F87-BAF8-87E62C185E2A}" type="datetimeFigureOut">
               <a:rPr lang="en-US" smtClean="0"/>
-              <a:t>2/20/2020</a:t>
+              <a:t>2/22/2020</a:t>
             </a:fld>
             <a:endParaRPr lang="en-US"/>
           </a:p>
@@ -4046,7 +4048,7 @@
           <a:p>
             <a:fld id="{6595E62A-38F7-4F87-BAF8-87E62C185E2A}" type="datetimeFigureOut">
               <a:rPr lang="en-US" smtClean="0"/>
-              <a:t>2/20/2020</a:t>
+              <a:t>2/22/2020</a:t>
             </a:fld>
             <a:endParaRPr lang="en-US"/>
           </a:p>
@@ -4301,7 +4303,7 @@
           <a:p>
             <a:fld id="{6595E62A-38F7-4F87-BAF8-87E62C185E2A}" type="datetimeFigureOut">
               <a:rPr lang="en-US" smtClean="0"/>
-              <a:t>2/20/2020</a:t>
+              <a:t>2/22/2020</a:t>
             </a:fld>
             <a:endParaRPr lang="en-US"/>
           </a:p>
@@ -4564,7 +4566,7 @@
           <a:p>
             <a:fld id="{6595E62A-38F7-4F87-BAF8-87E62C185E2A}" type="datetimeFigureOut">
               <a:rPr lang="en-US" smtClean="0"/>
-              <a:t>2/20/2020</a:t>
+              <a:t>2/22/2020</a:t>
             </a:fld>
             <a:endParaRPr lang="en-US"/>
           </a:p>
@@ -5307,7 +5309,7 @@
           <a:p>
             <a:fld id="{6595E62A-38F7-4F87-BAF8-87E62C185E2A}" type="datetimeFigureOut">
               <a:rPr lang="en-US" smtClean="0"/>
-              <a:t>2/20/2020</a:t>
+              <a:t>2/22/2020</a:t>
             </a:fld>
             <a:endParaRPr lang="en-US"/>
           </a:p>
@@ -6639,6 +6641,911 @@
 </p:sld>
 </file>
 
+<file path=ppt/slides/slide4.xml><?xml version="1.0" encoding="utf-8"?>
+<p:sld xmlns:a="http://schemas.openxmlformats.org/drawingml/2006/main" xmlns:r="http://schemas.openxmlformats.org/officeDocument/2006/relationships" xmlns:p="http://schemas.openxmlformats.org/presentationml/2006/main">
+  <p:cSld>
+    <p:spTree>
+      <p:nvGrpSpPr>
+        <p:cNvPr id="1" name=""/>
+        <p:cNvGrpSpPr/>
+        <p:nvPr/>
+      </p:nvGrpSpPr>
+      <p:grpSpPr>
+        <a:xfrm>
+          <a:off x="0" y="0"/>
+          <a:ext cx="0" cy="0"/>
+          <a:chOff x="0" y="0"/>
+          <a:chExt cx="0" cy="0"/>
+        </a:xfrm>
+      </p:grpSpPr>
+      <p:sp>
+        <p:nvSpPr>
+          <p:cNvPr id="2" name="Title 1"/>
+          <p:cNvSpPr>
+            <a:spLocks noGrp="1"/>
+          </p:cNvSpPr>
+          <p:nvPr>
+            <p:ph type="title"/>
+          </p:nvPr>
+        </p:nvSpPr>
+        <p:spPr/>
+        <p:txBody>
+          <a:bodyPr/>
+          <a:lstStyle/>
+          <a:p>
+            <a:r>
+              <a:rPr lang="en-US" dirty="0" smtClean="0"/>
+              <a:t>Technology</a:t>
+            </a:r>
+            <a:endParaRPr lang="en-US" dirty="0"/>
+          </a:p>
+        </p:txBody>
+      </p:sp>
+      <p:sp>
+        <p:nvSpPr>
+          <p:cNvPr id="3" name="Content Placeholder 2"/>
+          <p:cNvSpPr>
+            <a:spLocks noGrp="1"/>
+          </p:cNvSpPr>
+          <p:nvPr>
+            <p:ph idx="1"/>
+          </p:nvPr>
+        </p:nvSpPr>
+        <p:spPr/>
+        <p:txBody>
+          <a:bodyPr/>
+          <a:lstStyle/>
+          <a:p>
+            <a:r>
+              <a:rPr lang="en-US" dirty="0" smtClean="0">
+                <a:solidFill>
+                  <a:srgbClr val="92D050"/>
+                </a:solidFill>
+                <a:latin typeface="Adobe Gothic Std B" panose="020B0800000000000000" pitchFamily="34" charset="-128"/>
+                <a:ea typeface="Adobe Gothic Std B" panose="020B0800000000000000" pitchFamily="34" charset="-128"/>
+              </a:rPr>
+              <a:t>T1. Android Studio </a:t>
+            </a:r>
+            <a:r>
+              <a:rPr lang="th-TH" dirty="0" smtClean="0">
+                <a:solidFill>
+                  <a:srgbClr val="92D050"/>
+                </a:solidFill>
+                <a:latin typeface="Adobe Gothic Std B" panose="020B0800000000000000" pitchFamily="34" charset="-128"/>
+                <a:ea typeface="Adobe Gothic Std B" panose="020B0800000000000000" pitchFamily="34" charset="-128"/>
+              </a:rPr>
+              <a:t>ออกแบบ</a:t>
+            </a:r>
+            <a:r>
+              <a:rPr lang="en-US" dirty="0" smtClean="0">
+                <a:solidFill>
+                  <a:srgbClr val="92D050"/>
+                </a:solidFill>
+                <a:latin typeface="Adobe Gothic Std B" panose="020B0800000000000000" pitchFamily="34" charset="-128"/>
+                <a:ea typeface="Adobe Gothic Std B" panose="020B0800000000000000" pitchFamily="34" charset="-128"/>
+              </a:rPr>
+              <a:t> Application </a:t>
+            </a:r>
+            <a:r>
+              <a:rPr lang="th-TH" dirty="0" smtClean="0">
+                <a:solidFill>
+                  <a:srgbClr val="92D050"/>
+                </a:solidFill>
+                <a:latin typeface="Adobe Gothic Std B" panose="020B0800000000000000" pitchFamily="34" charset="-128"/>
+                <a:ea typeface="Adobe Gothic Std B" panose="020B0800000000000000" pitchFamily="34" charset="-128"/>
+              </a:rPr>
+              <a:t>(</a:t>
+            </a:r>
+            <a:r>
+              <a:rPr lang="en-US" dirty="0" smtClean="0">
+                <a:solidFill>
+                  <a:srgbClr val="92D050"/>
+                </a:solidFill>
+                <a:latin typeface="Adobe Gothic Std B" panose="020B0800000000000000" pitchFamily="34" charset="-128"/>
+                <a:ea typeface="Adobe Gothic Std B" panose="020B0800000000000000" pitchFamily="34" charset="-128"/>
+              </a:rPr>
+              <a:t>R1,R2,R3,R4,R5,R6</a:t>
+            </a:r>
+            <a:r>
+              <a:rPr lang="th-TH" dirty="0" smtClean="0">
+                <a:solidFill>
+                  <a:srgbClr val="92D050"/>
+                </a:solidFill>
+                <a:latin typeface="Adobe Gothic Std B" panose="020B0800000000000000" pitchFamily="34" charset="-128"/>
+                <a:ea typeface="Adobe Gothic Std B" panose="020B0800000000000000" pitchFamily="34" charset="-128"/>
+              </a:rPr>
+              <a:t>)</a:t>
+            </a:r>
+            <a:endParaRPr lang="en-US" dirty="0" smtClean="0">
+              <a:solidFill>
+                <a:srgbClr val="92D050"/>
+              </a:solidFill>
+              <a:latin typeface="Adobe Gothic Std B" panose="020B0800000000000000" pitchFamily="34" charset="-128"/>
+              <a:ea typeface="Adobe Gothic Std B" panose="020B0800000000000000" pitchFamily="34" charset="-128"/>
+            </a:endParaRPr>
+          </a:p>
+          <a:p>
+            <a:r>
+              <a:rPr lang="en-US" dirty="0" smtClean="0">
+                <a:solidFill>
+                  <a:srgbClr val="92D050"/>
+                </a:solidFill>
+                <a:latin typeface="Adobe Gothic Std B" panose="020B0800000000000000" pitchFamily="34" charset="-128"/>
+                <a:ea typeface="Adobe Gothic Std B" panose="020B0800000000000000" pitchFamily="34" charset="-128"/>
+              </a:rPr>
+              <a:t>T2.Cloud </a:t>
+            </a:r>
+            <a:r>
+              <a:rPr lang="en-US" dirty="0">
+                <a:solidFill>
+                  <a:srgbClr val="92D050"/>
+                </a:solidFill>
+                <a:latin typeface="Adobe Gothic Std B" panose="020B0800000000000000" pitchFamily="34" charset="-128"/>
+                <a:ea typeface="Adobe Gothic Std B" panose="020B0800000000000000" pitchFamily="34" charset="-128"/>
+              </a:rPr>
+              <a:t>(</a:t>
+            </a:r>
+            <a:r>
+              <a:rPr lang="en-US" dirty="0" err="1">
+                <a:solidFill>
+                  <a:srgbClr val="92D050"/>
+                </a:solidFill>
+                <a:latin typeface="Adobe Gothic Std B" panose="020B0800000000000000" pitchFamily="34" charset="-128"/>
+                <a:ea typeface="Adobe Gothic Std B" panose="020B0800000000000000" pitchFamily="34" charset="-128"/>
+              </a:rPr>
+              <a:t>FaaS</a:t>
+            </a:r>
+            <a:r>
+              <a:rPr lang="en-US" dirty="0" smtClean="0">
+                <a:solidFill>
+                  <a:srgbClr val="92D050"/>
+                </a:solidFill>
+                <a:latin typeface="Adobe Gothic Std B" panose="020B0800000000000000" pitchFamily="34" charset="-128"/>
+                <a:ea typeface="Adobe Gothic Std B" panose="020B0800000000000000" pitchFamily="34" charset="-128"/>
+              </a:rPr>
+              <a:t>)</a:t>
+            </a:r>
+            <a:r>
+              <a:rPr lang="th-TH" dirty="0" smtClean="0">
+                <a:solidFill>
+                  <a:srgbClr val="92D050"/>
+                </a:solidFill>
+                <a:latin typeface="Adobe Gothic Std B" panose="020B0800000000000000" pitchFamily="34" charset="-128"/>
+                <a:ea typeface="Adobe Gothic Std B" panose="020B0800000000000000" pitchFamily="34" charset="-128"/>
+              </a:rPr>
+              <a:t> </a:t>
+            </a:r>
+            <a:r>
+              <a:rPr lang="en-US" dirty="0" smtClean="0">
+                <a:solidFill>
+                  <a:srgbClr val="92D050"/>
+                </a:solidFill>
+                <a:latin typeface="Adobe Gothic Std B" panose="020B0800000000000000" pitchFamily="34" charset="-128"/>
+                <a:ea typeface="Adobe Gothic Std B" panose="020B0800000000000000" pitchFamily="34" charset="-128"/>
+              </a:rPr>
+              <a:t>Database </a:t>
+            </a:r>
+            <a:endParaRPr lang="th-TH" dirty="0">
+              <a:solidFill>
+                <a:srgbClr val="92D050"/>
+              </a:solidFill>
+              <a:latin typeface="Adobe Gothic Std B" panose="020B0800000000000000" pitchFamily="34" charset="-128"/>
+              <a:ea typeface="Adobe Gothic Std B" panose="020B0800000000000000" pitchFamily="34" charset="-128"/>
+            </a:endParaRPr>
+          </a:p>
+          <a:p>
+            <a:r>
+              <a:rPr lang="en-US" dirty="0" smtClean="0">
+                <a:solidFill>
+                  <a:srgbClr val="92D050"/>
+                </a:solidFill>
+                <a:latin typeface="Adobe Gothic Std B" panose="020B0800000000000000" pitchFamily="34" charset="-128"/>
+                <a:ea typeface="Adobe Gothic Std B" panose="020B0800000000000000" pitchFamily="34" charset="-128"/>
+              </a:rPr>
+              <a:t>T3.</a:t>
+            </a:r>
+            <a:r>
+              <a:rPr lang="en-US" dirty="0">
+                <a:solidFill>
+                  <a:srgbClr val="92D050"/>
+                </a:solidFill>
+                <a:latin typeface="Adobe Gothic Std B" panose="020B0800000000000000" pitchFamily="34" charset="-128"/>
+                <a:ea typeface="Adobe Gothic Std B" panose="020B0800000000000000" pitchFamily="34" charset="-128"/>
+              </a:rPr>
+              <a:t> Module </a:t>
+            </a:r>
+            <a:r>
+              <a:rPr lang="th-TH" dirty="0" smtClean="0">
+                <a:solidFill>
+                  <a:srgbClr val="92D050"/>
+                </a:solidFill>
+                <a:latin typeface="Adobe Gothic Std B" panose="020B0800000000000000" pitchFamily="34" charset="-128"/>
+                <a:ea typeface="Adobe Gothic Std B" panose="020B0800000000000000" pitchFamily="34" charset="-128"/>
+              </a:rPr>
+              <a:t>ต่างๆ</a:t>
+            </a:r>
+            <a:r>
+              <a:rPr lang="en-US" dirty="0" smtClean="0">
+                <a:solidFill>
+                  <a:srgbClr val="92D050"/>
+                </a:solidFill>
+                <a:latin typeface="Adobe Gothic Std B" panose="020B0800000000000000" pitchFamily="34" charset="-128"/>
+                <a:ea typeface="Adobe Gothic Std B" panose="020B0800000000000000" pitchFamily="34" charset="-128"/>
+              </a:rPr>
+              <a:t> </a:t>
+            </a:r>
+            <a:r>
+              <a:rPr lang="th-TH" dirty="0" smtClean="0">
+                <a:solidFill>
+                  <a:srgbClr val="92D050"/>
+                </a:solidFill>
+                <a:latin typeface="Adobe Gothic Std B" panose="020B0800000000000000" pitchFamily="34" charset="-128"/>
+                <a:ea typeface="Adobe Gothic Std B" panose="020B0800000000000000" pitchFamily="34" charset="-128"/>
+              </a:rPr>
+              <a:t>(</a:t>
+            </a:r>
+            <a:r>
+              <a:rPr lang="en-US" dirty="0" smtClean="0">
+                <a:solidFill>
+                  <a:srgbClr val="92D050"/>
+                </a:solidFill>
+                <a:latin typeface="Adobe Gothic Std B" panose="020B0800000000000000" pitchFamily="34" charset="-128"/>
+                <a:ea typeface="Adobe Gothic Std B" panose="020B0800000000000000" pitchFamily="34" charset="-128"/>
+              </a:rPr>
+              <a:t>Soil </a:t>
+            </a:r>
+            <a:r>
+              <a:rPr lang="en-US" dirty="0">
+                <a:solidFill>
+                  <a:srgbClr val="92D050"/>
+                </a:solidFill>
+                <a:latin typeface="Adobe Gothic Std B" panose="020B0800000000000000" pitchFamily="34" charset="-128"/>
+                <a:ea typeface="Adobe Gothic Std B" panose="020B0800000000000000" pitchFamily="34" charset="-128"/>
+              </a:rPr>
+              <a:t>moisture sensor </a:t>
+            </a:r>
+            <a:r>
+              <a:rPr lang="en-US" dirty="0" err="1" smtClean="0">
+                <a:solidFill>
+                  <a:srgbClr val="92D050"/>
+                </a:solidFill>
+                <a:latin typeface="Adobe Gothic Std B" panose="020B0800000000000000" pitchFamily="34" charset="-128"/>
+                <a:ea typeface="Adobe Gothic Std B" panose="020B0800000000000000" pitchFamily="34" charset="-128"/>
+              </a:rPr>
+              <a:t>module,Temperature</a:t>
+            </a:r>
+            <a:r>
+              <a:rPr lang="en-US" dirty="0" smtClean="0">
+                <a:solidFill>
+                  <a:srgbClr val="92D050"/>
+                </a:solidFill>
+                <a:latin typeface="Adobe Gothic Std B" panose="020B0800000000000000" pitchFamily="34" charset="-128"/>
+                <a:ea typeface="Adobe Gothic Std B" panose="020B0800000000000000" pitchFamily="34" charset="-128"/>
+              </a:rPr>
+              <a:t> </a:t>
+            </a:r>
+            <a:r>
+              <a:rPr lang="en-US" dirty="0">
+                <a:solidFill>
+                  <a:srgbClr val="92D050"/>
+                </a:solidFill>
+                <a:latin typeface="Adobe Gothic Std B" panose="020B0800000000000000" pitchFamily="34" charset="-128"/>
+                <a:ea typeface="Adobe Gothic Std B" panose="020B0800000000000000" pitchFamily="34" charset="-128"/>
+              </a:rPr>
+              <a:t>and humidity sensor </a:t>
+            </a:r>
+            <a:r>
+              <a:rPr lang="en-US" dirty="0" smtClean="0">
+                <a:solidFill>
+                  <a:srgbClr val="92D050"/>
+                </a:solidFill>
+                <a:latin typeface="Adobe Gothic Std B" panose="020B0800000000000000" pitchFamily="34" charset="-128"/>
+                <a:ea typeface="Adobe Gothic Std B" panose="020B0800000000000000" pitchFamily="34" charset="-128"/>
+              </a:rPr>
+              <a:t>module</a:t>
+            </a:r>
+            <a:r>
+              <a:rPr lang="th-TH" dirty="0" smtClean="0">
+                <a:solidFill>
+                  <a:srgbClr val="92D050"/>
+                </a:solidFill>
+                <a:latin typeface="Adobe Gothic Std B" panose="020B0800000000000000" pitchFamily="34" charset="-128"/>
+                <a:ea typeface="Adobe Gothic Std B" panose="020B0800000000000000" pitchFamily="34" charset="-128"/>
+              </a:rPr>
+              <a:t>)</a:t>
+            </a:r>
+            <a:endParaRPr lang="en-US" dirty="0" smtClean="0">
+              <a:solidFill>
+                <a:srgbClr val="92D050"/>
+              </a:solidFill>
+              <a:latin typeface="Adobe Gothic Std B" panose="020B0800000000000000" pitchFamily="34" charset="-128"/>
+              <a:ea typeface="Adobe Gothic Std B" panose="020B0800000000000000" pitchFamily="34" charset="-128"/>
+            </a:endParaRPr>
+          </a:p>
+          <a:p>
+            <a:r>
+              <a:rPr lang="en-US" dirty="0" smtClean="0">
+                <a:solidFill>
+                  <a:srgbClr val="92D050"/>
+                </a:solidFill>
+                <a:latin typeface="Adobe Gothic Std B" panose="020B0800000000000000" pitchFamily="34" charset="-128"/>
+                <a:ea typeface="Adobe Gothic Std B" panose="020B0800000000000000" pitchFamily="34" charset="-128"/>
+              </a:rPr>
+              <a:t>T4.</a:t>
+            </a:r>
+            <a:r>
+              <a:rPr lang="en-US" dirty="0">
+                <a:solidFill>
+                  <a:srgbClr val="92D050"/>
+                </a:solidFill>
+                <a:latin typeface="Adobe Gothic Std B" panose="020B0800000000000000" pitchFamily="34" charset="-128"/>
+                <a:ea typeface="Adobe Gothic Std B" panose="020B0800000000000000" pitchFamily="34" charset="-128"/>
+              </a:rPr>
+              <a:t> </a:t>
+            </a:r>
+            <a:r>
+              <a:rPr lang="en-US" dirty="0" err="1" smtClean="0">
+                <a:solidFill>
+                  <a:srgbClr val="92D050"/>
+                </a:solidFill>
+                <a:latin typeface="Adobe Gothic Std B" panose="020B0800000000000000" pitchFamily="34" charset="-128"/>
+                <a:ea typeface="Adobe Gothic Std B" panose="020B0800000000000000" pitchFamily="34" charset="-128"/>
+              </a:rPr>
+              <a:t>IoT</a:t>
+            </a:r>
+            <a:endParaRPr lang="en-US" dirty="0" smtClean="0">
+              <a:solidFill>
+                <a:srgbClr val="92D050"/>
+              </a:solidFill>
+              <a:latin typeface="Adobe Gothic Std B" panose="020B0800000000000000" pitchFamily="34" charset="-128"/>
+              <a:ea typeface="Adobe Gothic Std B" panose="020B0800000000000000" pitchFamily="34" charset="-128"/>
+            </a:endParaRPr>
+          </a:p>
+          <a:p>
+            <a:r>
+              <a:rPr lang="en-US" dirty="0" smtClean="0">
+                <a:solidFill>
+                  <a:srgbClr val="92D050"/>
+                </a:solidFill>
+                <a:latin typeface="Adobe Gothic Std B" panose="020B0800000000000000" pitchFamily="34" charset="-128"/>
+                <a:ea typeface="Adobe Gothic Std B" panose="020B0800000000000000" pitchFamily="34" charset="-128"/>
+              </a:rPr>
+              <a:t>T5.</a:t>
+            </a:r>
+            <a:r>
+              <a:rPr lang="en-US" dirty="0">
+                <a:solidFill>
+                  <a:srgbClr val="92D050"/>
+                </a:solidFill>
+                <a:latin typeface="Adobe Gothic Std B" panose="020B0800000000000000" pitchFamily="34" charset="-128"/>
+                <a:ea typeface="Adobe Gothic Std B" panose="020B0800000000000000" pitchFamily="34" charset="-128"/>
+              </a:rPr>
+              <a:t> </a:t>
+            </a:r>
+            <a:r>
+              <a:rPr lang="en-US" dirty="0" smtClean="0">
+                <a:solidFill>
+                  <a:srgbClr val="92D050"/>
+                </a:solidFill>
+                <a:latin typeface="Adobe Gothic Std B" panose="020B0800000000000000" pitchFamily="34" charset="-128"/>
+                <a:ea typeface="Adobe Gothic Std B" panose="020B0800000000000000" pitchFamily="34" charset="-128"/>
+              </a:rPr>
+              <a:t>Machine learning</a:t>
+            </a:r>
+          </a:p>
+          <a:p>
+            <a:r>
+              <a:rPr lang="en-US" dirty="0" smtClean="0">
+                <a:solidFill>
+                  <a:srgbClr val="92D050"/>
+                </a:solidFill>
+                <a:latin typeface="Adobe Gothic Std B" panose="020B0800000000000000" pitchFamily="34" charset="-128"/>
+                <a:ea typeface="Adobe Gothic Std B" panose="020B0800000000000000" pitchFamily="34" charset="-128"/>
+              </a:rPr>
+              <a:t>T6.</a:t>
+            </a:r>
+            <a:r>
+              <a:rPr lang="en-US" dirty="0">
+                <a:solidFill>
+                  <a:srgbClr val="92D050"/>
+                </a:solidFill>
+                <a:latin typeface="Adobe Gothic Std B" panose="020B0800000000000000" pitchFamily="34" charset="-128"/>
+                <a:ea typeface="Adobe Gothic Std B" panose="020B0800000000000000" pitchFamily="34" charset="-128"/>
+              </a:rPr>
+              <a:t> </a:t>
+            </a:r>
+            <a:r>
+              <a:rPr lang="en-US" dirty="0" smtClean="0">
+                <a:solidFill>
+                  <a:srgbClr val="92D050"/>
+                </a:solidFill>
+                <a:latin typeface="Adobe Gothic Std B" panose="020B0800000000000000" pitchFamily="34" charset="-128"/>
+                <a:ea typeface="Adobe Gothic Std B" panose="020B0800000000000000" pitchFamily="34" charset="-128"/>
+              </a:rPr>
+              <a:t>XAAMP</a:t>
+            </a:r>
+          </a:p>
+          <a:p>
+            <a:r>
+              <a:rPr lang="en-US" dirty="0" smtClean="0">
+                <a:solidFill>
+                  <a:srgbClr val="92D050"/>
+                </a:solidFill>
+                <a:latin typeface="Adobe Gothic Std B" panose="020B0800000000000000" pitchFamily="34" charset="-128"/>
+                <a:ea typeface="Adobe Gothic Std B" panose="020B0800000000000000" pitchFamily="34" charset="-128"/>
+              </a:rPr>
+              <a:t>T7.</a:t>
+            </a:r>
+            <a:r>
+              <a:rPr lang="en-US" dirty="0">
+                <a:solidFill>
+                  <a:srgbClr val="92D050"/>
+                </a:solidFill>
+                <a:latin typeface="Adobe Gothic Std B" panose="020B0800000000000000" pitchFamily="34" charset="-128"/>
+                <a:ea typeface="Adobe Gothic Std B" panose="020B0800000000000000" pitchFamily="34" charset="-128"/>
+              </a:rPr>
+              <a:t> HTML</a:t>
+            </a:r>
+            <a:endParaRPr lang="en-US" dirty="0">
+              <a:solidFill>
+                <a:srgbClr val="92D050"/>
+              </a:solidFill>
+              <a:latin typeface="Adobe Gothic Std B" panose="020B0800000000000000" pitchFamily="34" charset="-128"/>
+              <a:ea typeface="Adobe Gothic Std B" panose="020B0800000000000000" pitchFamily="34" charset="-128"/>
+            </a:endParaRPr>
+          </a:p>
+        </p:txBody>
+      </p:sp>
+    </p:spTree>
+    <p:extLst>
+      <p:ext uri="{BB962C8B-B14F-4D97-AF65-F5344CB8AC3E}">
+        <p14:creationId xmlns:p14="http://schemas.microsoft.com/office/powerpoint/2010/main" val="2665029380"/>
+      </p:ext>
+    </p:extLst>
+  </p:cSld>
+  <p:clrMapOvr>
+    <a:masterClrMapping/>
+  </p:clrMapOvr>
+</p:sld>
+</file>
+
+<file path=ppt/slides/slide5.xml><?xml version="1.0" encoding="utf-8"?>
+<p:sld xmlns:a="http://schemas.openxmlformats.org/drawingml/2006/main" xmlns:r="http://schemas.openxmlformats.org/officeDocument/2006/relationships" xmlns:p="http://schemas.openxmlformats.org/presentationml/2006/main">
+  <p:cSld>
+    <p:spTree>
+      <p:nvGrpSpPr>
+        <p:cNvPr id="1" name=""/>
+        <p:cNvGrpSpPr/>
+        <p:nvPr/>
+      </p:nvGrpSpPr>
+      <p:grpSpPr>
+        <a:xfrm>
+          <a:off x="0" y="0"/>
+          <a:ext cx="0" cy="0"/>
+          <a:chOff x="0" y="0"/>
+          <a:chExt cx="0" cy="0"/>
+        </a:xfrm>
+      </p:grpSpPr>
+      <p:sp>
+        <p:nvSpPr>
+          <p:cNvPr id="2" name="Title 1"/>
+          <p:cNvSpPr>
+            <a:spLocks noGrp="1"/>
+          </p:cNvSpPr>
+          <p:nvPr>
+            <p:ph type="title"/>
+          </p:nvPr>
+        </p:nvSpPr>
+        <p:spPr/>
+        <p:txBody>
+          <a:bodyPr/>
+          <a:lstStyle/>
+          <a:p>
+            <a:r>
+              <a:rPr lang="en-US" dirty="0" smtClean="0"/>
+              <a:t>Duty</a:t>
+            </a:r>
+            <a:endParaRPr lang="en-US" dirty="0"/>
+          </a:p>
+        </p:txBody>
+      </p:sp>
+      <p:sp>
+        <p:nvSpPr>
+          <p:cNvPr id="3" name="Content Placeholder 2"/>
+          <p:cNvSpPr>
+            <a:spLocks noGrp="1"/>
+          </p:cNvSpPr>
+          <p:nvPr>
+            <p:ph idx="1"/>
+          </p:nvPr>
+        </p:nvSpPr>
+        <p:spPr/>
+        <p:txBody>
+          <a:bodyPr/>
+          <a:lstStyle/>
+          <a:p>
+            <a:r>
+              <a:rPr lang="th-TH" dirty="0">
+                <a:solidFill>
+                  <a:srgbClr val="92D050"/>
+                </a:solidFill>
+                <a:latin typeface="Adobe Gothic Std B" panose="020B0800000000000000" pitchFamily="34" charset="-128"/>
+                <a:ea typeface="Adobe Gothic Std B" panose="020B0800000000000000" pitchFamily="34" charset="-128"/>
+              </a:rPr>
+              <a:t>นาย </a:t>
+            </a:r>
+            <a:r>
+              <a:rPr lang="th-TH" dirty="0" err="1">
+                <a:solidFill>
+                  <a:srgbClr val="92D050"/>
+                </a:solidFill>
+                <a:latin typeface="Adobe Gothic Std B" panose="020B0800000000000000" pitchFamily="34" charset="-128"/>
+                <a:ea typeface="Adobe Gothic Std B" panose="020B0800000000000000" pitchFamily="34" charset="-128"/>
+              </a:rPr>
+              <a:t>สัณหวิช</a:t>
+            </a:r>
+            <a:r>
+              <a:rPr lang="th-TH" dirty="0">
+                <a:solidFill>
+                  <a:srgbClr val="92D050"/>
+                </a:solidFill>
+                <a:latin typeface="Adobe Gothic Std B" panose="020B0800000000000000" pitchFamily="34" charset="-128"/>
+                <a:ea typeface="Adobe Gothic Std B" panose="020B0800000000000000" pitchFamily="34" charset="-128"/>
+              </a:rPr>
+              <a:t> ไชยชะนะ 1610900381 </a:t>
+            </a:r>
+            <a:r>
+              <a:rPr lang="th-TH" dirty="0" smtClean="0">
+                <a:solidFill>
+                  <a:srgbClr val="92D050"/>
+                </a:solidFill>
+                <a:latin typeface="Adobe Gothic Std B" panose="020B0800000000000000" pitchFamily="34" charset="-128"/>
+                <a:ea typeface="Adobe Gothic Std B" panose="020B0800000000000000" pitchFamily="34" charset="-128"/>
+              </a:rPr>
+              <a:t>  (</a:t>
+            </a:r>
+            <a:r>
+              <a:rPr lang="en-US" dirty="0">
+                <a:solidFill>
+                  <a:srgbClr val="92D050"/>
+                </a:solidFill>
+                <a:latin typeface="Adobe Gothic Std B" panose="020B0800000000000000" pitchFamily="34" charset="-128"/>
+                <a:ea typeface="Adobe Gothic Std B" panose="020B0800000000000000" pitchFamily="34" charset="-128"/>
+              </a:rPr>
+              <a:t>machine learning</a:t>
+            </a:r>
+            <a:r>
+              <a:rPr lang="th-TH" dirty="0">
+                <a:solidFill>
+                  <a:srgbClr val="92D050"/>
+                </a:solidFill>
+                <a:latin typeface="Adobe Gothic Std B" panose="020B0800000000000000" pitchFamily="34" charset="-128"/>
+                <a:ea typeface="Adobe Gothic Std B" panose="020B0800000000000000" pitchFamily="34" charset="-128"/>
+              </a:rPr>
+              <a:t>)</a:t>
+            </a:r>
+            <a:endParaRPr lang="en-US" dirty="0">
+              <a:solidFill>
+                <a:srgbClr val="92D050"/>
+              </a:solidFill>
+              <a:latin typeface="Adobe Gothic Std B" panose="020B0800000000000000" pitchFamily="34" charset="-128"/>
+              <a:ea typeface="Adobe Gothic Std B" panose="020B0800000000000000" pitchFamily="34" charset="-128"/>
+            </a:endParaRPr>
+          </a:p>
+          <a:p>
+            <a:r>
+              <a:rPr lang="th-TH" dirty="0">
+                <a:solidFill>
+                  <a:srgbClr val="92D050"/>
+                </a:solidFill>
+                <a:latin typeface="Adobe Gothic Std B" panose="020B0800000000000000" pitchFamily="34" charset="-128"/>
+                <a:ea typeface="Adobe Gothic Std B" panose="020B0800000000000000" pitchFamily="34" charset="-128"/>
+              </a:rPr>
+              <a:t>นาย </a:t>
+            </a:r>
+            <a:r>
+              <a:rPr lang="th-TH" dirty="0" err="1">
+                <a:solidFill>
+                  <a:srgbClr val="92D050"/>
+                </a:solidFill>
+                <a:latin typeface="Adobe Gothic Std B" panose="020B0800000000000000" pitchFamily="34" charset="-128"/>
+                <a:ea typeface="Adobe Gothic Std B" panose="020B0800000000000000" pitchFamily="34" charset="-128"/>
+              </a:rPr>
+              <a:t>วรพล</a:t>
+            </a:r>
+            <a:r>
+              <a:rPr lang="th-TH" dirty="0">
+                <a:solidFill>
+                  <a:srgbClr val="92D050"/>
+                </a:solidFill>
+                <a:latin typeface="Adobe Gothic Std B" panose="020B0800000000000000" pitchFamily="34" charset="-128"/>
+                <a:ea typeface="Adobe Gothic Std B" panose="020B0800000000000000" pitchFamily="34" charset="-128"/>
+              </a:rPr>
+              <a:t> ลาทองคำ </a:t>
+            </a:r>
+            <a:r>
+              <a:rPr lang="th-TH" dirty="0" smtClean="0">
+                <a:solidFill>
+                  <a:srgbClr val="92D050"/>
+                </a:solidFill>
+                <a:latin typeface="Adobe Gothic Std B" panose="020B0800000000000000" pitchFamily="34" charset="-128"/>
+                <a:ea typeface="Adobe Gothic Std B" panose="020B0800000000000000" pitchFamily="34" charset="-128"/>
+              </a:rPr>
+              <a:t>    1610900472  (</a:t>
+            </a:r>
+            <a:r>
+              <a:rPr lang="en-US" dirty="0">
+                <a:solidFill>
+                  <a:srgbClr val="92D050"/>
+                </a:solidFill>
+                <a:latin typeface="Adobe Gothic Std B" panose="020B0800000000000000" pitchFamily="34" charset="-128"/>
+                <a:ea typeface="Adobe Gothic Std B" panose="020B0800000000000000" pitchFamily="34" charset="-128"/>
+              </a:rPr>
+              <a:t>design </a:t>
+            </a:r>
+            <a:r>
+              <a:rPr lang="en-US" dirty="0" err="1">
+                <a:solidFill>
+                  <a:srgbClr val="92D050"/>
+                </a:solidFill>
+                <a:latin typeface="Adobe Gothic Std B" panose="020B0800000000000000" pitchFamily="34" charset="-128"/>
+                <a:ea typeface="Adobe Gothic Std B" panose="020B0800000000000000" pitchFamily="34" charset="-128"/>
+              </a:rPr>
+              <a:t>app,design</a:t>
+            </a:r>
+            <a:r>
+              <a:rPr lang="en-US" dirty="0">
+                <a:solidFill>
+                  <a:srgbClr val="92D050"/>
+                </a:solidFill>
+                <a:latin typeface="Adobe Gothic Std B" panose="020B0800000000000000" pitchFamily="34" charset="-128"/>
+                <a:ea typeface="Adobe Gothic Std B" panose="020B0800000000000000" pitchFamily="34" charset="-128"/>
+              </a:rPr>
+              <a:t> web</a:t>
+            </a:r>
+            <a:r>
+              <a:rPr lang="th-TH" dirty="0">
+                <a:solidFill>
+                  <a:srgbClr val="92D050"/>
+                </a:solidFill>
+                <a:latin typeface="Adobe Gothic Std B" panose="020B0800000000000000" pitchFamily="34" charset="-128"/>
+                <a:ea typeface="Adobe Gothic Std B" panose="020B0800000000000000" pitchFamily="34" charset="-128"/>
+              </a:rPr>
+              <a:t>)</a:t>
+            </a:r>
+            <a:endParaRPr lang="en-US" dirty="0">
+              <a:solidFill>
+                <a:srgbClr val="92D050"/>
+              </a:solidFill>
+              <a:latin typeface="Adobe Gothic Std B" panose="020B0800000000000000" pitchFamily="34" charset="-128"/>
+              <a:ea typeface="Adobe Gothic Std B" panose="020B0800000000000000" pitchFamily="34" charset="-128"/>
+            </a:endParaRPr>
+          </a:p>
+          <a:p>
+            <a:r>
+              <a:rPr lang="th-TH" dirty="0">
+                <a:solidFill>
+                  <a:srgbClr val="92D050"/>
+                </a:solidFill>
+                <a:latin typeface="Adobe Gothic Std B" panose="020B0800000000000000" pitchFamily="34" charset="-128"/>
+                <a:ea typeface="Adobe Gothic Std B" panose="020B0800000000000000" pitchFamily="34" charset="-128"/>
+              </a:rPr>
+              <a:t>นาย ภานุพันธ์ สม</a:t>
+            </a:r>
+            <a:r>
+              <a:rPr lang="th-TH" dirty="0" err="1">
+                <a:solidFill>
+                  <a:srgbClr val="92D050"/>
+                </a:solidFill>
+                <a:latin typeface="Adobe Gothic Std B" panose="020B0800000000000000" pitchFamily="34" charset="-128"/>
+                <a:ea typeface="Adobe Gothic Std B" panose="020B0800000000000000" pitchFamily="34" charset="-128"/>
+              </a:rPr>
+              <a:t>เพ็ช</a:t>
+            </a:r>
+            <a:r>
+              <a:rPr lang="th-TH" dirty="0">
+                <a:solidFill>
+                  <a:srgbClr val="92D050"/>
+                </a:solidFill>
+                <a:latin typeface="Adobe Gothic Std B" panose="020B0800000000000000" pitchFamily="34" charset="-128"/>
+                <a:ea typeface="Adobe Gothic Std B" panose="020B0800000000000000" pitchFamily="34" charset="-128"/>
+              </a:rPr>
+              <a:t> </a:t>
+            </a:r>
+            <a:r>
+              <a:rPr lang="th-TH" dirty="0" smtClean="0">
+                <a:solidFill>
+                  <a:srgbClr val="92D050"/>
+                </a:solidFill>
+                <a:latin typeface="Adobe Gothic Std B" panose="020B0800000000000000" pitchFamily="34" charset="-128"/>
+                <a:ea typeface="Adobe Gothic Std B" panose="020B0800000000000000" pitchFamily="34" charset="-128"/>
+              </a:rPr>
+              <a:t>   1610900712  (</a:t>
+            </a:r>
+            <a:r>
+              <a:rPr lang="en-US" dirty="0" err="1" smtClean="0">
+                <a:solidFill>
+                  <a:srgbClr val="92D050"/>
+                </a:solidFill>
+                <a:latin typeface="Adobe Gothic Std B" panose="020B0800000000000000" pitchFamily="34" charset="-128"/>
+                <a:ea typeface="Adobe Gothic Std B" panose="020B0800000000000000" pitchFamily="34" charset="-128"/>
+              </a:rPr>
+              <a:t>IoT,Module,design</a:t>
+            </a:r>
+            <a:r>
+              <a:rPr lang="en-US" dirty="0" smtClean="0">
+                <a:solidFill>
+                  <a:srgbClr val="92D050"/>
+                </a:solidFill>
+                <a:latin typeface="Adobe Gothic Std B" panose="020B0800000000000000" pitchFamily="34" charset="-128"/>
+                <a:ea typeface="Adobe Gothic Std B" panose="020B0800000000000000" pitchFamily="34" charset="-128"/>
+              </a:rPr>
+              <a:t> app</a:t>
+            </a:r>
+            <a:r>
+              <a:rPr lang="th-TH" dirty="0" smtClean="0">
+                <a:solidFill>
+                  <a:srgbClr val="92D050"/>
+                </a:solidFill>
+                <a:latin typeface="Adobe Gothic Std B" panose="020B0800000000000000" pitchFamily="34" charset="-128"/>
+                <a:ea typeface="Adobe Gothic Std B" panose="020B0800000000000000" pitchFamily="34" charset="-128"/>
+              </a:rPr>
+              <a:t>)</a:t>
+            </a:r>
+            <a:endParaRPr lang="en-US" dirty="0">
+              <a:solidFill>
+                <a:srgbClr val="92D050"/>
+              </a:solidFill>
+              <a:latin typeface="Adobe Gothic Std B" panose="020B0800000000000000" pitchFamily="34" charset="-128"/>
+              <a:ea typeface="Adobe Gothic Std B" panose="020B0800000000000000" pitchFamily="34" charset="-128"/>
+            </a:endParaRPr>
+          </a:p>
+          <a:p>
+            <a:r>
+              <a:rPr lang="th-TH" dirty="0">
+                <a:solidFill>
+                  <a:srgbClr val="92D050"/>
+                </a:solidFill>
+                <a:latin typeface="Adobe Gothic Std B" panose="020B0800000000000000" pitchFamily="34" charset="-128"/>
+                <a:ea typeface="Adobe Gothic Std B" panose="020B0800000000000000" pitchFamily="34" charset="-128"/>
+              </a:rPr>
+              <a:t>นาย สหัชชัย </a:t>
+            </a:r>
+            <a:r>
+              <a:rPr lang="th-TH" dirty="0" err="1">
+                <a:solidFill>
+                  <a:srgbClr val="92D050"/>
+                </a:solidFill>
+                <a:latin typeface="Adobe Gothic Std B" panose="020B0800000000000000" pitchFamily="34" charset="-128"/>
+                <a:ea typeface="Adobe Gothic Std B" panose="020B0800000000000000" pitchFamily="34" charset="-128"/>
+              </a:rPr>
+              <a:t>สุรภักดิ์</a:t>
+            </a:r>
+            <a:r>
+              <a:rPr lang="th-TH" dirty="0">
+                <a:solidFill>
+                  <a:srgbClr val="92D050"/>
+                </a:solidFill>
+                <a:latin typeface="Adobe Gothic Std B" panose="020B0800000000000000" pitchFamily="34" charset="-128"/>
+                <a:ea typeface="Adobe Gothic Std B" panose="020B0800000000000000" pitchFamily="34" charset="-128"/>
+              </a:rPr>
+              <a:t> </a:t>
+            </a:r>
+            <a:r>
+              <a:rPr lang="th-TH" dirty="0" smtClean="0">
+                <a:solidFill>
+                  <a:srgbClr val="92D050"/>
+                </a:solidFill>
+                <a:latin typeface="Adobe Gothic Std B" panose="020B0800000000000000" pitchFamily="34" charset="-128"/>
+                <a:ea typeface="Adobe Gothic Std B" panose="020B0800000000000000" pitchFamily="34" charset="-128"/>
+              </a:rPr>
+              <a:t>    1610901785  (</a:t>
+            </a:r>
+            <a:r>
+              <a:rPr lang="en-US" dirty="0" err="1">
+                <a:solidFill>
+                  <a:srgbClr val="92D050"/>
+                </a:solidFill>
+                <a:latin typeface="Adobe Gothic Std B" panose="020B0800000000000000" pitchFamily="34" charset="-128"/>
+                <a:ea typeface="Adobe Gothic Std B" panose="020B0800000000000000" pitchFamily="34" charset="-128"/>
+              </a:rPr>
+              <a:t>cloud,XAAMP</a:t>
+            </a:r>
+            <a:r>
+              <a:rPr lang="th-TH" dirty="0" smtClean="0">
+                <a:solidFill>
+                  <a:srgbClr val="92D050"/>
+                </a:solidFill>
+                <a:latin typeface="Adobe Gothic Std B" panose="020B0800000000000000" pitchFamily="34" charset="-128"/>
+                <a:ea typeface="Adobe Gothic Std B" panose="020B0800000000000000" pitchFamily="34" charset="-128"/>
+              </a:rPr>
+              <a:t>)</a:t>
+            </a:r>
+          </a:p>
+          <a:p>
+            <a:r>
+              <a:rPr lang="th-TH" dirty="0" smtClean="0">
+                <a:solidFill>
+                  <a:srgbClr val="92D050"/>
+                </a:solidFill>
+                <a:latin typeface="Adobe Gothic Std B" panose="020B0800000000000000" pitchFamily="34" charset="-128"/>
+                <a:ea typeface="Adobe Gothic Std B" panose="020B0800000000000000" pitchFamily="34" charset="-128"/>
+              </a:rPr>
+              <a:t>นาย รพี</a:t>
+            </a:r>
+            <a:r>
+              <a:rPr lang="th-TH" dirty="0" err="1" smtClean="0">
+                <a:solidFill>
+                  <a:srgbClr val="92D050"/>
+                </a:solidFill>
+                <a:latin typeface="Adobe Gothic Std B" panose="020B0800000000000000" pitchFamily="34" charset="-128"/>
+                <a:ea typeface="Adobe Gothic Std B" panose="020B0800000000000000" pitchFamily="34" charset="-128"/>
+              </a:rPr>
+              <a:t>พงษ์</a:t>
+            </a:r>
+            <a:r>
+              <a:rPr lang="th-TH" dirty="0">
+                <a:solidFill>
+                  <a:srgbClr val="92D050"/>
+                </a:solidFill>
+                <a:latin typeface="Adobe Gothic Std B" panose="020B0800000000000000" pitchFamily="34" charset="-128"/>
+                <a:ea typeface="Adobe Gothic Std B" panose="020B0800000000000000" pitchFamily="34" charset="-128"/>
+              </a:rPr>
+              <a:t> </a:t>
+            </a:r>
+            <a:r>
+              <a:rPr lang="th-TH" dirty="0" smtClean="0">
+                <a:solidFill>
+                  <a:srgbClr val="92D050"/>
+                </a:solidFill>
+                <a:latin typeface="Adobe Gothic Std B" panose="020B0800000000000000" pitchFamily="34" charset="-128"/>
+                <a:ea typeface="Adobe Gothic Std B" panose="020B0800000000000000" pitchFamily="34" charset="-128"/>
+              </a:rPr>
+              <a:t>              161090         (</a:t>
+            </a:r>
+            <a:r>
+              <a:rPr lang="en-US" dirty="0" smtClean="0">
+                <a:solidFill>
+                  <a:srgbClr val="92D050"/>
+                </a:solidFill>
+                <a:latin typeface="Adobe Gothic Std B" panose="020B0800000000000000" pitchFamily="34" charset="-128"/>
+                <a:ea typeface="Adobe Gothic Std B" panose="020B0800000000000000" pitchFamily="34" charset="-128"/>
+              </a:rPr>
+              <a:t>design web</a:t>
+            </a:r>
+            <a:r>
+              <a:rPr lang="th-TH" dirty="0" smtClean="0">
+                <a:solidFill>
+                  <a:srgbClr val="92D050"/>
+                </a:solidFill>
+                <a:latin typeface="Adobe Gothic Std B" panose="020B0800000000000000" pitchFamily="34" charset="-128"/>
+                <a:ea typeface="Adobe Gothic Std B" panose="020B0800000000000000" pitchFamily="34" charset="-128"/>
+              </a:rPr>
+              <a:t>)</a:t>
+            </a:r>
+            <a:endParaRPr lang="en-US" dirty="0">
+              <a:solidFill>
+                <a:srgbClr val="92D050"/>
+              </a:solidFill>
+              <a:latin typeface="Adobe Gothic Std B" panose="020B0800000000000000" pitchFamily="34" charset="-128"/>
+              <a:ea typeface="Adobe Gothic Std B" panose="020B0800000000000000" pitchFamily="34" charset="-128"/>
+            </a:endParaRPr>
+          </a:p>
+        </p:txBody>
+      </p:sp>
+    </p:spTree>
+    <p:extLst>
+      <p:ext uri="{BB962C8B-B14F-4D97-AF65-F5344CB8AC3E}">
+        <p14:creationId xmlns:p14="http://schemas.microsoft.com/office/powerpoint/2010/main" val="1813056972"/>
+      </p:ext>
+    </p:extLst>
+  </p:cSld>
+  <p:clrMapOvr>
+    <a:masterClrMapping/>
+  </p:clrMapOvr>
+</p:sld>
+</file>
+
 <file path=ppt/theme/theme1.xml><?xml version="1.0" encoding="utf-8"?>
 <a:theme xmlns:a="http://schemas.openxmlformats.org/drawingml/2006/main" name="Facet">
   <a:themeElements>
